--- a/00_01-Welcome.pptx
+++ b/00_01-Welcome.pptx
@@ -709,8 +709,8 @@
 </file>
 
 <file path=ppt/slideLayouts/slideLayout19.xml><?xml version="1.0" encoding="utf-8"?>
-<p:sldLayout xmlns:a="http://schemas.openxmlformats.org/drawingml/2006/main" xmlns:r="http://schemas.openxmlformats.org/officeDocument/2006/relationships" xmlns:p="http://schemas.openxmlformats.org/presentationml/2006/main" userDrawn="1">
-  <p:cSld name="2_Title and Content">
+<p:sldLayout xmlns:a="http://schemas.openxmlformats.org/drawingml/2006/main" xmlns:r="http://schemas.openxmlformats.org/officeDocument/2006/relationships" xmlns:p="http://schemas.openxmlformats.org/presentationml/2006/main" type="obj" preserve="1">
+  <p:cSld name="Title and Content">
     <p:spTree>
       <p:nvGrpSpPr>
         <p:cNvPr id="1" name=""/>
@@ -725,10 +725,84 @@
           <a:chExt cx="0" cy="0"/>
         </a:xfrm>
       </p:grpSpPr>
+      <p:sp>
+        <p:nvSpPr>
+          <p:cNvPr id="2" name="Title 1"/>
+          <p:cNvSpPr>
+            <a:spLocks noGrp="1"/>
+          </p:cNvSpPr>
+          <p:nvPr>
+            <p:ph type="title"/>
+          </p:nvPr>
+        </p:nvSpPr>
+        <p:spPr/>
+        <p:txBody>
+          <a:bodyPr/>
+          <a:lstStyle/>
+          <a:p>
+            <a:r>
+              <a:rPr lang="en-US"/>
+              <a:t>Click to edit Master title style</a:t>
+            </a:r>
+          </a:p>
+        </p:txBody>
+      </p:sp>
+      <p:sp>
+        <p:nvSpPr>
+          <p:cNvPr id="3" name="Content Placeholder 2"/>
+          <p:cNvSpPr>
+            <a:spLocks noGrp="1"/>
+          </p:cNvSpPr>
+          <p:nvPr>
+            <p:ph idx="1"/>
+          </p:nvPr>
+        </p:nvSpPr>
+        <p:spPr/>
+        <p:txBody>
+          <a:bodyPr/>
+          <a:lstStyle/>
+          <a:p>
+            <a:pPr lvl="0"/>
+            <a:r>
+              <a:rPr lang="en-US"/>
+              <a:t>Edit Master text styles</a:t>
+            </a:r>
+          </a:p>
+          <a:p>
+            <a:pPr lvl="1"/>
+            <a:r>
+              <a:rPr lang="en-US"/>
+              <a:t>Second level</a:t>
+            </a:r>
+          </a:p>
+          <a:p>
+            <a:pPr lvl="2"/>
+            <a:r>
+              <a:rPr lang="en-US"/>
+              <a:t>Third level</a:t>
+            </a:r>
+          </a:p>
+          <a:p>
+            <a:pPr lvl="3"/>
+            <a:r>
+              <a:rPr lang="en-US"/>
+              <a:t>Fourth level</a:t>
+            </a:r>
+          </a:p>
+          <a:p>
+            <a:pPr lvl="4"/>
+            <a:r>
+              <a:rPr lang="en-US"/>
+              <a:t>Fifth level</a:t>
+            </a:r>
+            <a:endParaRPr lang="en-US" dirty="0"/>
+          </a:p>
+        </p:txBody>
+      </p:sp>
     </p:spTree>
     <p:extLst>
       <p:ext uri="{BB962C8B-B14F-4D97-AF65-F5344CB8AC3E}">
-        <p14:creationId xmlns:p14="http://schemas.microsoft.com/office/powerpoint/2010/main" val="4039873875"/>
+        <p14:creationId xmlns:p14="http://schemas.microsoft.com/office/powerpoint/2010/main" val="1686048246"/>
       </p:ext>
     </p:extLst>
   </p:cSld>
@@ -861,113 +935,6 @@
               <a:rPr lang="en-US"/>
               <a:t>Fifth level</a:t>
             </a:r>
-            <a:endParaRPr lang="en-US" dirty="0"/>
-          </a:p>
-        </p:txBody>
-      </p:sp>
-    </p:spTree>
-    <p:extLst>
-      <p:ext uri="{BB962C8B-B14F-4D97-AF65-F5344CB8AC3E}">
-        <p14:creationId xmlns:p14="http://schemas.microsoft.com/office/powerpoint/2010/main" val="1686048246"/>
-      </p:ext>
-    </p:extLst>
-  </p:cSld>
-  <p:clrMapOvr>
-    <a:masterClrMapping/>
-  </p:clrMapOvr>
-  <p:transition>
-    <p:dissolve/>
-  </p:transition>
-</p:sldLayout>
-</file>
-
-<file path=ppt/slideLayouts/slideLayout21.xml><?xml version="1.0" encoding="utf-8"?>
-<p:sldLayout xmlns:a="http://schemas.openxmlformats.org/drawingml/2006/main" xmlns:r="http://schemas.openxmlformats.org/officeDocument/2006/relationships" xmlns:p="http://schemas.openxmlformats.org/presentationml/2006/main" type="obj" preserve="1">
-  <p:cSld name="Title and Content">
-    <p:spTree>
-      <p:nvGrpSpPr>
-        <p:cNvPr id="1" name=""/>
-        <p:cNvGrpSpPr/>
-        <p:nvPr/>
-      </p:nvGrpSpPr>
-      <p:grpSpPr>
-        <a:xfrm>
-          <a:off x="0" y="0"/>
-          <a:ext cx="0" cy="0"/>
-          <a:chOff x="0" y="0"/>
-          <a:chExt cx="0" cy="0"/>
-        </a:xfrm>
-      </p:grpSpPr>
-      <p:sp>
-        <p:nvSpPr>
-          <p:cNvPr id="2" name="Title 1"/>
-          <p:cNvSpPr>
-            <a:spLocks noGrp="1"/>
-          </p:cNvSpPr>
-          <p:nvPr>
-            <p:ph type="title"/>
-          </p:nvPr>
-        </p:nvSpPr>
-        <p:spPr/>
-        <p:txBody>
-          <a:bodyPr/>
-          <a:lstStyle/>
-          <a:p>
-            <a:r>
-              <a:rPr lang="en-US"/>
-              <a:t>Click to edit Master title style</a:t>
-            </a:r>
-          </a:p>
-        </p:txBody>
-      </p:sp>
-      <p:sp>
-        <p:nvSpPr>
-          <p:cNvPr id="3" name="Content Placeholder 2"/>
-          <p:cNvSpPr>
-            <a:spLocks noGrp="1"/>
-          </p:cNvSpPr>
-          <p:nvPr>
-            <p:ph idx="1"/>
-          </p:nvPr>
-        </p:nvSpPr>
-        <p:spPr/>
-        <p:txBody>
-          <a:bodyPr/>
-          <a:lstStyle/>
-          <a:p>
-            <a:pPr lvl="0"/>
-            <a:r>
-              <a:rPr lang="en-US"/>
-              <a:t>Edit Master text styles</a:t>
-            </a:r>
-          </a:p>
-          <a:p>
-            <a:pPr lvl="1"/>
-            <a:r>
-              <a:rPr lang="en-US"/>
-              <a:t>Second level</a:t>
-            </a:r>
-          </a:p>
-          <a:p>
-            <a:pPr lvl="2"/>
-            <a:r>
-              <a:rPr lang="en-US"/>
-              <a:t>Third level</a:t>
-            </a:r>
-          </a:p>
-          <a:p>
-            <a:pPr lvl="3"/>
-            <a:r>
-              <a:rPr lang="en-US"/>
-              <a:t>Fourth level</a:t>
-            </a:r>
-          </a:p>
-          <a:p>
-            <a:pPr lvl="4"/>
-            <a:r>
-              <a:rPr lang="en-US"/>
-              <a:t>Fifth level</a:t>
-            </a:r>
           </a:p>
         </p:txBody>
       </p:sp>
@@ -987,7 +954,7 @@
 </p:sldLayout>
 </file>
 
-<file path=ppt/slideLayouts/slideLayout22.xml><?xml version="1.0" encoding="utf-8"?>
+<file path=ppt/slideLayouts/slideLayout21.xml><?xml version="1.0" encoding="utf-8"?>
 <p:sldLayout xmlns:a="http://schemas.openxmlformats.org/drawingml/2006/main" xmlns:r="http://schemas.openxmlformats.org/officeDocument/2006/relationships" xmlns:p="http://schemas.openxmlformats.org/presentationml/2006/main" preserve="1" userDrawn="1">
   <p:cSld name="2_Title and Content">
     <p:spTree>
@@ -1020,7 +987,7 @@
 </p:sldLayout>
 </file>
 
-<file path=ppt/slideLayouts/slideLayout23.xml><?xml version="1.0" encoding="utf-8"?>
+<file path=ppt/slideLayouts/slideLayout22.xml><?xml version="1.0" encoding="utf-8"?>
 <p:sldLayout xmlns:a="http://schemas.openxmlformats.org/drawingml/2006/main" xmlns:r="http://schemas.openxmlformats.org/officeDocument/2006/relationships" xmlns:p="http://schemas.openxmlformats.org/presentationml/2006/main" preserve="1" userDrawn="1">
   <p:cSld name="13_Title and Content">
     <p:spTree>
@@ -1053,7 +1020,7 @@
 </p:sldLayout>
 </file>
 
-<file path=ppt/slideLayouts/slideLayout24.xml><?xml version="1.0" encoding="utf-8"?>
+<file path=ppt/slideLayouts/slideLayout23.xml><?xml version="1.0" encoding="utf-8"?>
 <p:sldLayout xmlns:a="http://schemas.openxmlformats.org/drawingml/2006/main" xmlns:r="http://schemas.openxmlformats.org/officeDocument/2006/relationships" xmlns:p="http://schemas.openxmlformats.org/presentationml/2006/main" preserve="1" userDrawn="1">
   <p:cSld name="3_Title and Content">
     <p:spTree>
@@ -1086,7 +1053,7 @@
 </p:sldLayout>
 </file>
 
-<file path=ppt/slideLayouts/slideLayout25.xml><?xml version="1.0" encoding="utf-8"?>
+<file path=ppt/slideLayouts/slideLayout24.xml><?xml version="1.0" encoding="utf-8"?>
 <p:sldLayout xmlns:a="http://schemas.openxmlformats.org/drawingml/2006/main" xmlns:r="http://schemas.openxmlformats.org/officeDocument/2006/relationships" xmlns:p="http://schemas.openxmlformats.org/presentationml/2006/main" preserve="1" userDrawn="1">
   <p:cSld name="4_Title and Content">
     <p:spTree>
@@ -1119,7 +1086,7 @@
 </p:sldLayout>
 </file>
 
-<file path=ppt/slideLayouts/slideLayout26.xml><?xml version="1.0" encoding="utf-8"?>
+<file path=ppt/slideLayouts/slideLayout25.xml><?xml version="1.0" encoding="utf-8"?>
 <p:sldLayout xmlns:a="http://schemas.openxmlformats.org/drawingml/2006/main" xmlns:r="http://schemas.openxmlformats.org/officeDocument/2006/relationships" xmlns:p="http://schemas.openxmlformats.org/presentationml/2006/main" preserve="1" userDrawn="1">
   <p:cSld name="5_Title and Content">
     <p:spTree>
@@ -1152,7 +1119,7 @@
 </p:sldLayout>
 </file>
 
-<file path=ppt/slideLayouts/slideLayout27.xml><?xml version="1.0" encoding="utf-8"?>
+<file path=ppt/slideLayouts/slideLayout26.xml><?xml version="1.0" encoding="utf-8"?>
 <p:sldLayout xmlns:a="http://schemas.openxmlformats.org/drawingml/2006/main" xmlns:r="http://schemas.openxmlformats.org/officeDocument/2006/relationships" xmlns:p="http://schemas.openxmlformats.org/presentationml/2006/main" preserve="1" userDrawn="1">
   <p:cSld name="Title Slide">
     <p:spTree>
@@ -4341,7 +4308,6 @@
   <p:clrMap bg1="lt1" tx1="dk1" bg2="lt2" tx2="dk2" accent1="accent1" accent2="accent2" accent3="accent3" accent4="accent4" accent5="accent5" accent6="accent6" hlink="hlink" folHlink="folHlink"/>
   <p:sldLayoutIdLst>
     <p:sldLayoutId id="2147483685" r:id="rId1"/>
-    <p:sldLayoutId id="2147483698" r:id="rId2"/>
   </p:sldLayoutIdLst>
   <p:transition>
     <p:dissolve/>
@@ -10474,168 +10440,6 @@
   <p:transition>
     <p:dissolve/>
   </p:transition>
-  <p:timing>
-    <p:tnLst>
-      <p:par>
-        <p:cTn id="1" dur="indefinite" restart="never" nodeType="tmRoot">
-          <p:childTnLst>
-            <p:seq concurrent="1" nextAc="seek">
-              <p:cTn id="2" dur="indefinite" nodeType="mainSeq">
-                <p:childTnLst>
-                  <p:par>
-                    <p:cTn id="3" fill="hold">
-                      <p:stCondLst>
-                        <p:cond delay="indefinite"/>
-                        <p:cond evt="onBegin" delay="0">
-                          <p:tn val="2"/>
-                        </p:cond>
-                      </p:stCondLst>
-                      <p:childTnLst>
-                        <p:par>
-                          <p:cTn id="4" fill="hold">
-                            <p:stCondLst>
-                              <p:cond delay="0"/>
-                            </p:stCondLst>
-                            <p:childTnLst>
-                              <p:par>
-                                <p:cTn id="5" presetID="-1074306296" presetClass="entr" presetSubtype="0" fill="hold" grpId="0" nodeType="withEffect">
-                                  <p:stCondLst>
-                                    <p:cond delay="0"/>
-                                  </p:stCondLst>
-                                  <p:childTnLst>
-                                    <p:set>
-                                      <p:cBhvr>
-                                        <p:cTn id="6" dur="1" fill="hold">
-                                          <p:stCondLst>
-                                            <p:cond delay="499"/>
-                                          </p:stCondLst>
-                                        </p:cTn>
-                                        <p:tgtEl>
-                                          <p:spTgt spid="2"/>
-                                        </p:tgtEl>
-                                        <p:attrNameLst>
-                                          <p:attrName>style.visibility</p:attrName>
-                                        </p:attrNameLst>
-                                      </p:cBhvr>
-                                      <p:to>
-                                        <p:strVal val="visible"/>
-                                      </p:to>
-                                    </p:set>
-                                  </p:childTnLst>
-                                </p:cTn>
-                              </p:par>
-                            </p:childTnLst>
-                          </p:cTn>
-                        </p:par>
-                        <p:par>
-                          <p:cTn id="7" fill="hold">
-                            <p:stCondLst>
-                              <p:cond delay="500"/>
-                            </p:stCondLst>
-                            <p:childTnLst>
-                              <p:par>
-                                <p:cTn id="8" presetID="-1074306296" presetClass="entr" presetSubtype="0" fill="hold" grpId="0" nodeType="afterEffect">
-                                  <p:stCondLst>
-                                    <p:cond delay="1000"/>
-                                  </p:stCondLst>
-                                  <p:childTnLst>
-                                    <p:set>
-                                      <p:cBhvr>
-                                        <p:cTn id="9" dur="1" fill="hold">
-                                          <p:stCondLst>
-                                            <p:cond delay="499"/>
-                                          </p:stCondLst>
-                                        </p:cTn>
-                                        <p:tgtEl>
-                                          <p:spTgt spid="3">
-                                            <p:txEl>
-                                              <p:pRg st="0" end="0"/>
-                                            </p:txEl>
-                                          </p:spTgt>
-                                        </p:tgtEl>
-                                        <p:attrNameLst>
-                                          <p:attrName>style.visibility</p:attrName>
-                                        </p:attrNameLst>
-                                      </p:cBhvr>
-                                      <p:to>
-                                        <p:strVal val="visible"/>
-                                      </p:to>
-                                    </p:set>
-                                  </p:childTnLst>
-                                </p:cTn>
-                              </p:par>
-                            </p:childTnLst>
-                          </p:cTn>
-                        </p:par>
-                        <p:par>
-                          <p:cTn id="10" fill="hold">
-                            <p:stCondLst>
-                              <p:cond delay="2000"/>
-                            </p:stCondLst>
-                            <p:childTnLst>
-                              <p:par>
-                                <p:cTn id="11" presetID="-1074306296" presetClass="entr" presetSubtype="0" fill="hold" grpId="0" nodeType="afterEffect">
-                                  <p:stCondLst>
-                                    <p:cond delay="1000"/>
-                                  </p:stCondLst>
-                                  <p:childTnLst>
-                                    <p:set>
-                                      <p:cBhvr>
-                                        <p:cTn id="12" dur="1" fill="hold">
-                                          <p:stCondLst>
-                                            <p:cond delay="499"/>
-                                          </p:stCondLst>
-                                        </p:cTn>
-                                        <p:tgtEl>
-                                          <p:spTgt spid="3">
-                                            <p:txEl>
-                                              <p:pRg st="1" end="1"/>
-                                            </p:txEl>
-                                          </p:spTgt>
-                                        </p:tgtEl>
-                                        <p:attrNameLst>
-                                          <p:attrName>style.visibility</p:attrName>
-                                        </p:attrNameLst>
-                                      </p:cBhvr>
-                                      <p:to>
-                                        <p:strVal val="visible"/>
-                                      </p:to>
-                                    </p:set>
-                                  </p:childTnLst>
-                                </p:cTn>
-                              </p:par>
-                            </p:childTnLst>
-                          </p:cTn>
-                        </p:par>
-                      </p:childTnLst>
-                    </p:cTn>
-                  </p:par>
-                </p:childTnLst>
-              </p:cTn>
-              <p:prevCondLst>
-                <p:cond evt="onPrev" delay="0">
-                  <p:tgtEl>
-                    <p:sldTgt/>
-                  </p:tgtEl>
-                </p:cond>
-              </p:prevCondLst>
-              <p:nextCondLst>
-                <p:cond evt="onNext" delay="0">
-                  <p:tgtEl>
-                    <p:sldTgt/>
-                  </p:tgtEl>
-                </p:cond>
-              </p:nextCondLst>
-            </p:seq>
-          </p:childTnLst>
-        </p:cTn>
-      </p:par>
-    </p:tnLst>
-    <p:bldLst>
-      <p:bldP spid="2" grpId="0" autoUpdateAnimBg="0"/>
-      <p:bldP spid="3" grpId="0" build="p" bldLvl="5" autoUpdateAnimBg="0"/>
-    </p:bldLst>
-  </p:timing>
 </p:sld>
 </file>
 
@@ -10731,134 +10535,6 @@
   <p:transition>
     <p:dissolve/>
   </p:transition>
-  <p:timing>
-    <p:tnLst>
-      <p:par>
-        <p:cTn id="1" dur="indefinite" restart="never" nodeType="tmRoot">
-          <p:childTnLst>
-            <p:seq concurrent="1" nextAc="seek">
-              <p:cTn id="2" dur="indefinite" nodeType="mainSeq">
-                <p:childTnLst>
-                  <p:par>
-                    <p:cTn id="3" fill="hold">
-                      <p:stCondLst>
-                        <p:cond delay="indefinite"/>
-                      </p:stCondLst>
-                      <p:childTnLst>
-                        <p:par>
-                          <p:cTn id="4" fill="hold">
-                            <p:stCondLst>
-                              <p:cond delay="0"/>
-                            </p:stCondLst>
-                            <p:childTnLst>
-                              <p:par>
-                                <p:cTn id="5" presetID="1" presetClass="entr" presetSubtype="0" fill="hold" nodeType="clickEffect">
-                                  <p:stCondLst>
-                                    <p:cond delay="0"/>
-                                  </p:stCondLst>
-                                  <p:childTnLst>
-                                    <p:set>
-                                      <p:cBhvr>
-                                        <p:cTn id="6" dur="1" fill="hold">
-                                          <p:stCondLst>
-                                            <p:cond delay="0"/>
-                                          </p:stCondLst>
-                                        </p:cTn>
-                                        <p:tgtEl>
-                                          <p:spTgt spid="3">
-                                            <p:txEl>
-                                              <p:pRg st="0" end="0"/>
-                                            </p:txEl>
-                                          </p:spTgt>
-                                        </p:tgtEl>
-                                        <p:attrNameLst>
-                                          <p:attrName>style.visibility</p:attrName>
-                                        </p:attrNameLst>
-                                      </p:cBhvr>
-                                      <p:to>
-                                        <p:strVal val="visible"/>
-                                      </p:to>
-                                    </p:set>
-                                  </p:childTnLst>
-                                </p:cTn>
-                              </p:par>
-                            </p:childTnLst>
-                          </p:cTn>
-                        </p:par>
-                      </p:childTnLst>
-                    </p:cTn>
-                  </p:par>
-                  <p:par>
-                    <p:cTn id="7" fill="hold">
-                      <p:stCondLst>
-                        <p:cond delay="indefinite"/>
-                      </p:stCondLst>
-                      <p:childTnLst>
-                        <p:par>
-                          <p:cTn id="8" fill="hold">
-                            <p:stCondLst>
-                              <p:cond delay="0"/>
-                            </p:stCondLst>
-                            <p:childTnLst>
-                              <p:par>
-                                <p:cTn id="9" presetID="1" presetClass="entr" presetSubtype="0" fill="hold" nodeType="clickEffect">
-                                  <p:stCondLst>
-                                    <p:cond delay="0"/>
-                                  </p:stCondLst>
-                                  <p:childTnLst>
-                                    <p:set>
-                                      <p:cBhvr>
-                                        <p:cTn id="10" dur="1" fill="hold">
-                                          <p:stCondLst>
-                                            <p:cond delay="0"/>
-                                          </p:stCondLst>
-                                        </p:cTn>
-                                        <p:tgtEl>
-                                          <p:spTgt spid="3">
-                                            <p:txEl>
-                                              <p:pRg st="1" end="1"/>
-                                            </p:txEl>
-                                          </p:spTgt>
-                                        </p:tgtEl>
-                                        <p:attrNameLst>
-                                          <p:attrName>style.visibility</p:attrName>
-                                        </p:attrNameLst>
-                                      </p:cBhvr>
-                                      <p:to>
-                                        <p:strVal val="visible"/>
-                                      </p:to>
-                                    </p:set>
-                                  </p:childTnLst>
-                                </p:cTn>
-                              </p:par>
-                            </p:childTnLst>
-                          </p:cTn>
-                        </p:par>
-                      </p:childTnLst>
-                    </p:cTn>
-                  </p:par>
-                </p:childTnLst>
-              </p:cTn>
-              <p:prevCondLst>
-                <p:cond evt="onPrev" delay="0">
-                  <p:tgtEl>
-                    <p:sldTgt/>
-                  </p:tgtEl>
-                </p:cond>
-              </p:prevCondLst>
-              <p:nextCondLst>
-                <p:cond evt="onNext" delay="0">
-                  <p:tgtEl>
-                    <p:sldTgt/>
-                  </p:tgtEl>
-                </p:cond>
-              </p:nextCondLst>
-            </p:seq>
-          </p:childTnLst>
-        </p:cTn>
-      </p:par>
-    </p:tnLst>
-  </p:timing>
 </p:sld>
 </file>
 
@@ -10954,133 +10630,11 @@
   <p:transition>
     <p:dissolve/>
   </p:transition>
-  <p:timing>
-    <p:tnLst>
-      <p:par>
-        <p:cTn id="1" dur="indefinite" restart="never" nodeType="tmRoot">
-          <p:childTnLst>
-            <p:seq concurrent="1" nextAc="seek">
-              <p:cTn id="2" dur="indefinite" nodeType="mainSeq">
-                <p:childTnLst>
-                  <p:par>
-                    <p:cTn id="3" fill="hold">
-                      <p:stCondLst>
-                        <p:cond delay="indefinite"/>
-                        <p:cond evt="onBegin" delay="0">
-                          <p:tn val="2"/>
-                        </p:cond>
-                      </p:stCondLst>
-                      <p:childTnLst>
-                        <p:par>
-                          <p:cTn id="4" fill="hold">
-                            <p:stCondLst>
-                              <p:cond delay="0"/>
-                            </p:stCondLst>
-                            <p:childTnLst>
-                              <p:par>
-                                <p:cTn id="5" presetID="1" presetClass="entr" presetSubtype="0" fill="hold" nodeType="afterEffect">
-                                  <p:stCondLst>
-                                    <p:cond delay="1500"/>
-                                  </p:stCondLst>
-                                  <p:childTnLst>
-                                    <p:set>
-                                      <p:cBhvr>
-                                        <p:cTn id="6" dur="1" fill="hold">
-                                          <p:stCondLst>
-                                            <p:cond delay="0"/>
-                                          </p:stCondLst>
-                                        </p:cTn>
-                                        <p:tgtEl>
-                                          <p:spTgt spid="3">
-                                            <p:txEl>
-                                              <p:pRg st="0" end="0"/>
-                                            </p:txEl>
-                                          </p:spTgt>
-                                        </p:tgtEl>
-                                        <p:attrNameLst>
-                                          <p:attrName>style.visibility</p:attrName>
-                                        </p:attrNameLst>
-                                      </p:cBhvr>
-                                      <p:to>
-                                        <p:strVal val="visible"/>
-                                      </p:to>
-                                    </p:set>
-                                  </p:childTnLst>
-                                </p:cTn>
-                              </p:par>
-                            </p:childTnLst>
-                          </p:cTn>
-                        </p:par>
-                        <p:par>
-                          <p:cTn id="7" fill="hold">
-                            <p:stCondLst>
-                              <p:cond delay="1500"/>
-                            </p:stCondLst>
-                            <p:childTnLst>
-                              <p:par>
-                                <p:cTn id="8" presetID="1" presetClass="entr" presetSubtype="0" fill="hold" nodeType="afterEffect">
-                                  <p:stCondLst>
-                                    <p:cond delay="1500"/>
-                                  </p:stCondLst>
-                                  <p:childTnLst>
-                                    <p:set>
-                                      <p:cBhvr>
-                                        <p:cTn id="9" dur="1" fill="hold">
-                                          <p:stCondLst>
-                                            <p:cond delay="0"/>
-                                          </p:stCondLst>
-                                        </p:cTn>
-                                        <p:tgtEl>
-                                          <p:spTgt spid="3">
-                                            <p:txEl>
-                                              <p:pRg st="1" end="1"/>
-                                            </p:txEl>
-                                          </p:spTgt>
-                                        </p:tgtEl>
-                                        <p:attrNameLst>
-                                          <p:attrName>style.visibility</p:attrName>
-                                        </p:attrNameLst>
-                                      </p:cBhvr>
-                                      <p:to>
-                                        <p:strVal val="visible"/>
-                                      </p:to>
-                                    </p:set>
-                                  </p:childTnLst>
-                                </p:cTn>
-                              </p:par>
-                            </p:childTnLst>
-                          </p:cTn>
-                        </p:par>
-                      </p:childTnLst>
-                    </p:cTn>
-                  </p:par>
-                </p:childTnLst>
-              </p:cTn>
-              <p:prevCondLst>
-                <p:cond evt="onPrev" delay="0">
-                  <p:tgtEl>
-                    <p:sldTgt/>
-                  </p:tgtEl>
-                </p:cond>
-              </p:prevCondLst>
-              <p:nextCondLst>
-                <p:cond evt="onNext" delay="0">
-                  <p:tgtEl>
-                    <p:sldTgt/>
-                  </p:tgtEl>
-                </p:cond>
-              </p:nextCondLst>
-            </p:seq>
-          </p:childTnLst>
-        </p:cTn>
-      </p:par>
-    </p:tnLst>
-  </p:timing>
 </p:sld>
 </file>
 
 <file path=ppt/slides/slide5.xml><?xml version="1.0" encoding="utf-8"?>
-<p:sld xmlns:a="http://schemas.openxmlformats.org/drawingml/2006/main" xmlns:r="http://schemas.openxmlformats.org/officeDocument/2006/relationships" xmlns:p="http://schemas.openxmlformats.org/presentationml/2006/main">
+<p:sld xmlns:a="http://schemas.openxmlformats.org/drawingml/2006/main" xmlns:r="http://schemas.openxmlformats.org/officeDocument/2006/relationships" xmlns:p="http://schemas.openxmlformats.org/presentationml/2006/main" showMasterPhAnim="0">
   <p:cSld>
     <p:spTree>
       <p:nvGrpSpPr>
@@ -11219,7 +10773,7 @@
 </file>
 
 <file path=ppt/slides/slide6.xml><?xml version="1.0" encoding="utf-8"?>
-<p:sld xmlns:a="http://schemas.openxmlformats.org/drawingml/2006/main" xmlns:r="http://schemas.openxmlformats.org/officeDocument/2006/relationships" xmlns:p="http://schemas.openxmlformats.org/presentationml/2006/main">
+<p:sld xmlns:a="http://schemas.openxmlformats.org/drawingml/2006/main" xmlns:r="http://schemas.openxmlformats.org/officeDocument/2006/relationships" xmlns:p="http://schemas.openxmlformats.org/presentationml/2006/main" showMasterPhAnim="0">
   <p:cSld>
     <p:spTree>
       <p:nvGrpSpPr>
@@ -11362,7 +10916,7 @@
 </file>
 
 <file path=ppt/slides/slide7.xml><?xml version="1.0" encoding="utf-8"?>
-<p:sld xmlns:a="http://schemas.openxmlformats.org/drawingml/2006/main" xmlns:r="http://schemas.openxmlformats.org/officeDocument/2006/relationships" xmlns:p="http://schemas.openxmlformats.org/presentationml/2006/main">
+<p:sld xmlns:a="http://schemas.openxmlformats.org/drawingml/2006/main" xmlns:r="http://schemas.openxmlformats.org/officeDocument/2006/relationships" xmlns:p="http://schemas.openxmlformats.org/presentationml/2006/main" showMasterPhAnim="0">
   <p:cSld>
     <p:spTree>
       <p:nvGrpSpPr>
@@ -11546,6 +11100,45 @@
           <a:chExt cx="0" cy="0"/>
         </a:xfrm>
       </p:grpSpPr>
+      <p:sp>
+        <p:nvSpPr>
+          <p:cNvPr id="2" name="TextBox 1">
+            <a:extLst>
+              <a:ext uri="{FF2B5EF4-FFF2-40B4-BE49-F238E27FC236}">
+                <a16:creationId xmlns:a16="http://schemas.microsoft.com/office/drawing/2014/main" id="{61ABFFE3-40A4-4687-8A89-8BF1969364E5}"/>
+              </a:ext>
+            </a:extLst>
+          </p:cNvPr>
+          <p:cNvSpPr txBox="1"/>
+          <p:nvPr/>
+        </p:nvSpPr>
+        <p:spPr>
+          <a:xfrm>
+            <a:off x="4389859" y="2767280"/>
+            <a:ext cx="3412281" cy="661720"/>
+          </a:xfrm>
+          <a:prstGeom prst="rect">
+            <a:avLst/>
+          </a:prstGeom>
+          <a:noFill/>
+        </p:spPr>
+        <p:txBody>
+          <a:bodyPr wrap="none" rtlCol="0">
+            <a:spAutoFit/>
+          </a:bodyPr>
+          <a:lstStyle/>
+          <a:p>
+            <a:r>
+              <a:rPr lang="en-US" dirty="0">
+                <a:solidFill>
+                  <a:schemeClr val="bg1"/>
+                </a:solidFill>
+              </a:rPr>
+              <a:t>Let’s get started!</a:t>
+            </a:r>
+          </a:p>
+        </p:txBody>
+      </p:sp>
     </p:spTree>
     <p:extLst>
       <p:ext uri="{BB962C8B-B14F-4D97-AF65-F5344CB8AC3E}">
@@ -12135,7 +11728,7 @@
         <a:effectLst/>
         <a:extLst>
           <a:ext uri="{AF507438-7753-43e0-B8FC-AC1667EBCBE1}">
-            <a14:hiddenEffects xmlns:a14="http://schemas.microsoft.com/office/drawing/2010/main" xmlns="">
+            <a14:hiddenEffects xmlns="" xmlns:a14="http://schemas.microsoft.com/office/drawing/2010/main">
               <a:effectLst>
                 <a:outerShdw blurRad="63500" dist="38099" dir="2700000" algn="ctr" rotWithShape="0">
                   <a:schemeClr val="bg2">
@@ -12215,7 +11808,7 @@
         <a:effectLst/>
         <a:extLst>
           <a:ext uri="{AF507438-7753-43e0-B8FC-AC1667EBCBE1}">
-            <a14:hiddenEffects xmlns:a14="http://schemas.microsoft.com/office/drawing/2010/main" xmlns="">
+            <a14:hiddenEffects xmlns="" xmlns:a14="http://schemas.microsoft.com/office/drawing/2010/main">
               <a:effectLst>
                 <a:outerShdw blurRad="63500" dist="38099" dir="2700000" algn="ctr" rotWithShape="0">
                   <a:schemeClr val="bg2">
@@ -12889,7 +12482,7 @@
         <a:effectLst/>
         <a:extLst>
           <a:ext uri="{AF507438-7753-43e0-B8FC-AC1667EBCBE1}">
-            <a14:hiddenEffects xmlns:a14="http://schemas.microsoft.com/office/drawing/2010/main" xmlns="">
+            <a14:hiddenEffects xmlns="" xmlns:a14="http://schemas.microsoft.com/office/drawing/2010/main">
               <a:effectLst>
                 <a:outerShdw blurRad="63500" dist="38099" dir="2700000" algn="ctr" rotWithShape="0">
                   <a:schemeClr val="bg2">
@@ -12969,7 +12562,7 @@
         <a:effectLst/>
         <a:extLst>
           <a:ext uri="{AF507438-7753-43e0-B8FC-AC1667EBCBE1}">
-            <a14:hiddenEffects xmlns:a14="http://schemas.microsoft.com/office/drawing/2010/main" xmlns="">
+            <a14:hiddenEffects xmlns="" xmlns:a14="http://schemas.microsoft.com/office/drawing/2010/main">
               <a:effectLst>
                 <a:outerShdw blurRad="63500" dist="38099" dir="2700000" algn="ctr" rotWithShape="0">
                   <a:schemeClr val="bg2">
@@ -13318,7 +12911,7 @@
         <a:effectLst/>
         <a:extLst>
           <a:ext uri="{AF507438-7753-43e0-B8FC-AC1667EBCBE1}">
-            <a14:hiddenEffects xmlns:a14="http://schemas.microsoft.com/office/drawing/2010/main" xmlns="">
+            <a14:hiddenEffects xmlns="" xmlns:a14="http://schemas.microsoft.com/office/drawing/2010/main">
               <a:effectLst>
                 <a:outerShdw blurRad="63500" dist="38099" dir="2700000" algn="ctr" rotWithShape="0">
                   <a:schemeClr val="bg2">
@@ -13398,7 +12991,7 @@
         <a:effectLst/>
         <a:extLst>
           <a:ext uri="{AF507438-7753-43e0-B8FC-AC1667EBCBE1}">
-            <a14:hiddenEffects xmlns:a14="http://schemas.microsoft.com/office/drawing/2010/main" xmlns="">
+            <a14:hiddenEffects xmlns="" xmlns:a14="http://schemas.microsoft.com/office/drawing/2010/main">
               <a:effectLst>
                 <a:outerShdw blurRad="63500" dist="38099" dir="2700000" algn="ctr" rotWithShape="0">
                   <a:schemeClr val="bg2">
@@ -13747,7 +13340,7 @@
         <a:effectLst/>
         <a:extLst>
           <a:ext uri="{AF507438-7753-43e0-B8FC-AC1667EBCBE1}">
-            <a14:hiddenEffects xmlns:a14="http://schemas.microsoft.com/office/drawing/2010/main" xmlns="">
+            <a14:hiddenEffects xmlns="" xmlns:a14="http://schemas.microsoft.com/office/drawing/2010/main">
               <a:effectLst>
                 <a:outerShdw blurRad="63500" dist="38099" dir="2700000" algn="ctr" rotWithShape="0">
                   <a:schemeClr val="bg2">
@@ -13827,7 +13420,7 @@
         <a:effectLst/>
         <a:extLst>
           <a:ext uri="{AF507438-7753-43e0-B8FC-AC1667EBCBE1}">
-            <a14:hiddenEffects xmlns:a14="http://schemas.microsoft.com/office/drawing/2010/main" xmlns="">
+            <a14:hiddenEffects xmlns="" xmlns:a14="http://schemas.microsoft.com/office/drawing/2010/main">
               <a:effectLst>
                 <a:outerShdw blurRad="63500" dist="38099" dir="2700000" algn="ctr" rotWithShape="0">
                   <a:schemeClr val="bg2">
@@ -14176,7 +13769,7 @@
         <a:effectLst/>
         <a:extLst>
           <a:ext uri="{AF507438-7753-43e0-B8FC-AC1667EBCBE1}">
-            <a14:hiddenEffects xmlns:a14="http://schemas.microsoft.com/office/drawing/2010/main" xmlns="">
+            <a14:hiddenEffects xmlns="" xmlns:a14="http://schemas.microsoft.com/office/drawing/2010/main">
               <a:effectLst>
                 <a:outerShdw blurRad="63500" dist="38099" dir="2700000" algn="ctr" rotWithShape="0">
                   <a:schemeClr val="bg2">
@@ -14256,7 +13849,7 @@
         <a:effectLst/>
         <a:extLst>
           <a:ext uri="{AF507438-7753-43e0-B8FC-AC1667EBCBE1}">
-            <a14:hiddenEffects xmlns:a14="http://schemas.microsoft.com/office/drawing/2010/main" xmlns="">
+            <a14:hiddenEffects xmlns="" xmlns:a14="http://schemas.microsoft.com/office/drawing/2010/main">
               <a:effectLst>
                 <a:outerShdw blurRad="63500" dist="38099" dir="2700000" algn="ctr" rotWithShape="0">
                   <a:schemeClr val="bg2">
@@ -14605,7 +14198,7 @@
         <a:effectLst/>
         <a:extLst>
           <a:ext uri="{AF507438-7753-43e0-B8FC-AC1667EBCBE1}">
-            <a14:hiddenEffects xmlns:a14="http://schemas.microsoft.com/office/drawing/2010/main" xmlns="">
+            <a14:hiddenEffects xmlns="" xmlns:a14="http://schemas.microsoft.com/office/drawing/2010/main">
               <a:effectLst>
                 <a:outerShdw blurRad="63500" dist="38099" dir="2700000" algn="ctr" rotWithShape="0">
                   <a:schemeClr val="bg2">
@@ -14685,7 +14278,7 @@
         <a:effectLst/>
         <a:extLst>
           <a:ext uri="{AF507438-7753-43e0-B8FC-AC1667EBCBE1}">
-            <a14:hiddenEffects xmlns:a14="http://schemas.microsoft.com/office/drawing/2010/main" xmlns="">
+            <a14:hiddenEffects xmlns="" xmlns:a14="http://schemas.microsoft.com/office/drawing/2010/main">
               <a:effectLst>
                 <a:outerShdw blurRad="63500" dist="38099" dir="2700000" algn="ctr" rotWithShape="0">
                   <a:schemeClr val="bg2">
